--- a/ExploratoryProjectSlides.pptx
+++ b/ExploratoryProjectSlides.pptx
@@ -8,8 +8,8 @@
     <p:sldId id="256" r:id="rId2"/>
     <p:sldId id="257" r:id="rId3"/>
     <p:sldId id="260" r:id="rId4"/>
-    <p:sldId id="261" r:id="rId5"/>
-    <p:sldId id="258" r:id="rId6"/>
+    <p:sldId id="258" r:id="rId5"/>
+    <p:sldId id="261" r:id="rId6"/>
     <p:sldId id="259" r:id="rId7"/>
     <p:sldId id="262" r:id="rId8"/>
   </p:sldIdLst>
@@ -5924,7 +5924,7 @@
           <p:cNvPr id="4" name="TextBox 3">
             <a:extLst>
               <a:ext uri="{FF2B5EF4-FFF2-40B4-BE49-F238E27FC236}">
-                <a16:creationId xmlns:a16="http://schemas.microsoft.com/office/drawing/2014/main" id="{AB058019-9A19-4B57-910D-E17B96EA4F25}"/>
+                <a16:creationId xmlns:a16="http://schemas.microsoft.com/office/drawing/2014/main" xmlns="" id="{AB058019-9A19-4B57-910D-E17B96EA4F25}"/>
               </a:ext>
             </a:extLst>
           </p:cNvPr>
@@ -6008,7 +6008,7 @@
           <p:cNvPr id="2" name="Title 1">
             <a:extLst>
               <a:ext uri="{FF2B5EF4-FFF2-40B4-BE49-F238E27FC236}">
-                <a16:creationId xmlns:a16="http://schemas.microsoft.com/office/drawing/2014/main" id="{0FE14354-C9E9-4C4D-8539-064E5CE6E376}"/>
+                <a16:creationId xmlns:a16="http://schemas.microsoft.com/office/drawing/2014/main" xmlns="" id="{0FE14354-C9E9-4C4D-8539-064E5CE6E376}"/>
               </a:ext>
             </a:extLst>
           </p:cNvPr>
@@ -6039,9 +6039,17 @@
               </a:rPr>
               <a:t>Steps we did:</a:t>
             </a:r>
+            <a:r>
+              <a:rPr lang="en-US" dirty="0"/>
+              <a:t/>
+            </a:r>
             <a:br>
               <a:rPr lang="en-US" dirty="0"/>
             </a:br>
+            <a:r>
+              <a:rPr lang="en-US" dirty="0"/>
+              <a:t/>
+            </a:r>
             <a:br>
               <a:rPr lang="en-US" dirty="0"/>
             </a:br>
@@ -6054,7 +6062,7 @@
           <p:cNvPr id="3" name="Content Placeholder 2">
             <a:extLst>
               <a:ext uri="{FF2B5EF4-FFF2-40B4-BE49-F238E27FC236}">
-                <a16:creationId xmlns:a16="http://schemas.microsoft.com/office/drawing/2014/main" id="{1D383AFD-C405-4A3A-80DD-26068D9EE5EE}"/>
+                <a16:creationId xmlns:a16="http://schemas.microsoft.com/office/drawing/2014/main" xmlns="" id="{1D383AFD-C405-4A3A-80DD-26068D9EE5EE}"/>
               </a:ext>
             </a:extLst>
           </p:cNvPr>
@@ -6184,54 +6192,96 @@
       </p:grpSpPr>
       <p:sp>
         <p:nvSpPr>
-          <p:cNvPr id="2" name="Title 1">
-            <a:extLst>
-              <a:ext uri="{FF2B5EF4-FFF2-40B4-BE49-F238E27FC236}">
-                <a16:creationId xmlns:a16="http://schemas.microsoft.com/office/drawing/2014/main" id="{C2396F7B-9F2C-45B8-B049-34C5AE618815}"/>
-              </a:ext>
-            </a:extLst>
-          </p:cNvPr>
-          <p:cNvSpPr>
-            <a:spLocks noGrp="1"/>
-          </p:cNvSpPr>
-          <p:nvPr>
-            <p:ph type="title"/>
-          </p:nvPr>
-        </p:nvSpPr>
-        <p:spPr/>
-        <p:txBody>
-          <a:bodyPr/>
-          <a:lstStyle/>
-          <a:p>
-            <a:endParaRPr lang="en-US"/>
-          </a:p>
-        </p:txBody>
-      </p:sp>
-      <p:sp>
-        <p:nvSpPr>
-          <p:cNvPr id="3" name="Content Placeholder 2">
-            <a:extLst>
-              <a:ext uri="{FF2B5EF4-FFF2-40B4-BE49-F238E27FC236}">
-                <a16:creationId xmlns:a16="http://schemas.microsoft.com/office/drawing/2014/main" id="{A807346D-1F29-444F-93D6-F45E4ADED268}"/>
-              </a:ext>
-            </a:extLst>
-          </p:cNvPr>
-          <p:cNvSpPr>
-            <a:spLocks noGrp="1"/>
-          </p:cNvSpPr>
-          <p:nvPr>
-            <p:ph idx="1"/>
-          </p:nvPr>
-        </p:nvSpPr>
-        <p:spPr/>
-        <p:txBody>
-          <a:bodyPr/>
-          <a:lstStyle/>
-          <a:p>
-            <a:endParaRPr lang="en-US"/>
-          </a:p>
-        </p:txBody>
-      </p:sp>
+          <p:cNvPr id="4" name="Rectangle 3"/>
+          <p:cNvSpPr/>
+          <p:nvPr/>
+        </p:nvSpPr>
+        <p:spPr>
+          <a:xfrm>
+            <a:off x="118872" y="286572"/>
+            <a:ext cx="9308592" cy="2308324"/>
+          </a:xfrm>
+          <a:prstGeom prst="rect">
+            <a:avLst/>
+          </a:prstGeom>
+        </p:spPr>
+        <p:txBody>
+          <a:bodyPr wrap="square">
+            <a:spAutoFit/>
+          </a:bodyPr>
+          <a:lstStyle/>
+          <a:p>
+            <a:r>
+              <a:rPr lang="en-US" dirty="0">
+                <a:solidFill>
+                  <a:srgbClr val="000000"/>
+                </a:solidFill>
+                <a:latin typeface="Helvetica Neue"/>
+              </a:rPr>
+              <a:t>Question: Are asteroids coming closer to Earth typically larger or smaller in size than the ones that miss the earth at farther distances? How many asteroids with a diameter of 1 kilometer or more missed the Earth by 7.5 million kilometers or less</a:t>
+            </a:r>
+            <a:r>
+              <a:rPr lang="en-US" dirty="0" smtClean="0">
+                <a:solidFill>
+                  <a:srgbClr val="000000"/>
+                </a:solidFill>
+                <a:latin typeface="Helvetica Neue"/>
+              </a:rPr>
+              <a:t>?</a:t>
+            </a:r>
+          </a:p>
+          <a:p>
+            <a:endParaRPr lang="en-US" dirty="0">
+              <a:solidFill>
+                <a:srgbClr val="000000"/>
+              </a:solidFill>
+              <a:latin typeface="Helvetica Neue"/>
+            </a:endParaRPr>
+          </a:p>
+          <a:p>
+            <a:r>
+              <a:rPr lang="en-US" dirty="0">
+                <a:solidFill>
+                  <a:srgbClr val="000000"/>
+                </a:solidFill>
+                <a:latin typeface="Helvetica Neue"/>
+              </a:rPr>
+              <a:t>Answer: There were zero asteroids with a diameter of 1 kilometer or more that missed the Earth by 7.5 million kilometers or less as it can be seen in the top-left quadrant of the below chart. Asteroids coming closer to Earth tend to be smaller than asteroids missing the earth at farther distances.</a:t>
+            </a:r>
+            <a:endParaRPr lang="en-US" b="0" i="0" dirty="0">
+              <a:solidFill>
+                <a:srgbClr val="000000"/>
+              </a:solidFill>
+              <a:effectLst/>
+              <a:latin typeface="Helvetica Neue"/>
+            </a:endParaRPr>
+          </a:p>
+        </p:txBody>
+      </p:sp>
+      <p:pic>
+        <p:nvPicPr>
+          <p:cNvPr id="6" name="Picture 5"/>
+          <p:cNvPicPr>
+            <a:picLocks noChangeAspect="1"/>
+          </p:cNvPicPr>
+          <p:nvPr/>
+        </p:nvPicPr>
+        <p:blipFill>
+          <a:blip r:embed="rId2"/>
+          <a:stretch>
+            <a:fillRect/>
+          </a:stretch>
+        </p:blipFill>
+        <p:spPr>
+          <a:xfrm>
+            <a:off x="1186243" y="2618422"/>
+            <a:ext cx="6143625" cy="4181475"/>
+          </a:xfrm>
+          <a:prstGeom prst="rect">
+            <a:avLst/>
+          </a:prstGeom>
+        </p:spPr>
+      </p:pic>
     </p:spTree>
     <p:extLst>
       <p:ext uri="{BB962C8B-B14F-4D97-AF65-F5344CB8AC3E}">
@@ -6267,87 +6317,7 @@
           <p:cNvPr id="2" name="Title 1">
             <a:extLst>
               <a:ext uri="{FF2B5EF4-FFF2-40B4-BE49-F238E27FC236}">
-                <a16:creationId xmlns:a16="http://schemas.microsoft.com/office/drawing/2014/main" id="{395D008B-425B-4FDC-ADE2-7CB7EE8A018C}"/>
-              </a:ext>
-            </a:extLst>
-          </p:cNvPr>
-          <p:cNvSpPr>
-            <a:spLocks noGrp="1"/>
-          </p:cNvSpPr>
-          <p:nvPr>
-            <p:ph type="title"/>
-          </p:nvPr>
-        </p:nvSpPr>
-        <p:spPr/>
-        <p:txBody>
-          <a:bodyPr/>
-          <a:lstStyle/>
-          <a:p>
-            <a:endParaRPr lang="en-US"/>
-          </a:p>
-        </p:txBody>
-      </p:sp>
-      <p:sp>
-        <p:nvSpPr>
-          <p:cNvPr id="3" name="Content Placeholder 2">
-            <a:extLst>
-              <a:ext uri="{FF2B5EF4-FFF2-40B4-BE49-F238E27FC236}">
-                <a16:creationId xmlns:a16="http://schemas.microsoft.com/office/drawing/2014/main" id="{606FDDF4-AE76-4D35-ABD4-F811C76BD0E1}"/>
-              </a:ext>
-            </a:extLst>
-          </p:cNvPr>
-          <p:cNvSpPr>
-            <a:spLocks noGrp="1"/>
-          </p:cNvSpPr>
-          <p:nvPr>
-            <p:ph idx="1"/>
-          </p:nvPr>
-        </p:nvSpPr>
-        <p:spPr/>
-        <p:txBody>
-          <a:bodyPr/>
-          <a:lstStyle/>
-          <a:p>
-            <a:endParaRPr lang="en-US"/>
-          </a:p>
-        </p:txBody>
-      </p:sp>
-    </p:spTree>
-    <p:extLst>
-      <p:ext uri="{BB962C8B-B14F-4D97-AF65-F5344CB8AC3E}">
-        <p14:creationId xmlns:p14="http://schemas.microsoft.com/office/powerpoint/2010/main" val="359057726"/>
-      </p:ext>
-    </p:extLst>
-  </p:cSld>
-  <p:clrMapOvr>
-    <a:masterClrMapping/>
-  </p:clrMapOvr>
-</p:sld>
-</file>
-
-<file path=ppt/slides/slide5.xml><?xml version="1.0" encoding="utf-8"?>
-<p:sld xmlns:a="http://schemas.openxmlformats.org/drawingml/2006/main" xmlns:r="http://schemas.openxmlformats.org/officeDocument/2006/relationships" xmlns:p="http://schemas.openxmlformats.org/presentationml/2006/main">
-  <p:cSld>
-    <p:spTree>
-      <p:nvGrpSpPr>
-        <p:cNvPr id="1" name=""/>
-        <p:cNvGrpSpPr/>
-        <p:nvPr/>
-      </p:nvGrpSpPr>
-      <p:grpSpPr>
-        <a:xfrm>
-          <a:off x="0" y="0"/>
-          <a:ext cx="0" cy="0"/>
-          <a:chOff x="0" y="0"/>
-          <a:chExt cx="0" cy="0"/>
-        </a:xfrm>
-      </p:grpSpPr>
-      <p:sp>
-        <p:nvSpPr>
-          <p:cNvPr id="2" name="Title 1">
-            <a:extLst>
-              <a:ext uri="{FF2B5EF4-FFF2-40B4-BE49-F238E27FC236}">
-                <a16:creationId xmlns:a16="http://schemas.microsoft.com/office/drawing/2014/main" id="{A9A37C1A-4BB5-4F67-BB20-1AA3B4E77D64}"/>
+                <a16:creationId xmlns:a16="http://schemas.microsoft.com/office/drawing/2014/main" xmlns="" id="{A9A37C1A-4BB5-4F67-BB20-1AA3B4E77D64}"/>
               </a:ext>
             </a:extLst>
           </p:cNvPr>
@@ -6400,7 +6370,7 @@
               <a:t> </a:t>
             </a:r>
             <a:r>
-              <a:rPr lang="en-US" sz="2700">
+              <a:rPr lang="en-US" sz="2700" dirty="0">
                 <a:solidFill>
                   <a:schemeClr val="tx1"/>
                 </a:solidFill>
@@ -6409,7 +6379,7 @@
               </a:rPr>
               <a:t>There are  612 asteroids came closer to earth in October month 2021.</a:t>
             </a:r>
-            <a:endParaRPr lang="en-US" sz="2700">
+            <a:endParaRPr lang="en-US" sz="2700" dirty="0">
               <a:solidFill>
                 <a:schemeClr val="tx1"/>
               </a:solidFill>
@@ -6429,7 +6399,7 @@
           <p:cNvPr id="8" name="Picture 8" descr="Histogram&#10;&#10;Description automatically generated">
             <a:extLst>
               <a:ext uri="{FF2B5EF4-FFF2-40B4-BE49-F238E27FC236}">
-                <a16:creationId xmlns:a16="http://schemas.microsoft.com/office/drawing/2014/main" id="{0CAA2EB7-6D72-4F24-B27D-653CE972F2C6}"/>
+                <a16:creationId xmlns:a16="http://schemas.microsoft.com/office/drawing/2014/main" xmlns="" id="{0CAA2EB7-6D72-4F24-B27D-653CE972F2C6}"/>
               </a:ext>
             </a:extLst>
           </p:cNvPr>
@@ -6467,6 +6437,128 @@
 </p:sld>
 </file>
 
+<file path=ppt/slides/slide5.xml><?xml version="1.0" encoding="utf-8"?>
+<p:sld xmlns:a="http://schemas.openxmlformats.org/drawingml/2006/main" xmlns:r="http://schemas.openxmlformats.org/officeDocument/2006/relationships" xmlns:p="http://schemas.openxmlformats.org/presentationml/2006/main">
+  <p:cSld>
+    <p:spTree>
+      <p:nvGrpSpPr>
+        <p:cNvPr id="1" name=""/>
+        <p:cNvGrpSpPr/>
+        <p:nvPr/>
+      </p:nvGrpSpPr>
+      <p:grpSpPr>
+        <a:xfrm>
+          <a:off x="0" y="0"/>
+          <a:ext cx="0" cy="0"/>
+          <a:chOff x="0" y="0"/>
+          <a:chExt cx="0" cy="0"/>
+        </a:xfrm>
+      </p:grpSpPr>
+      <p:sp>
+        <p:nvSpPr>
+          <p:cNvPr id="4" name="Rectangle 3"/>
+          <p:cNvSpPr/>
+          <p:nvPr/>
+        </p:nvSpPr>
+        <p:spPr>
+          <a:xfrm>
+            <a:off x="167640" y="99906"/>
+            <a:ext cx="9332976" cy="1754326"/>
+          </a:xfrm>
+          <a:prstGeom prst="rect">
+            <a:avLst/>
+          </a:prstGeom>
+        </p:spPr>
+        <p:txBody>
+          <a:bodyPr wrap="square">
+            <a:spAutoFit/>
+          </a:bodyPr>
+          <a:lstStyle/>
+          <a:p>
+            <a:r>
+              <a:rPr lang="en-US" dirty="0">
+                <a:solidFill>
+                  <a:srgbClr val="000000"/>
+                </a:solidFill>
+                <a:latin typeface="Helvetica Neue"/>
+              </a:rPr>
+              <a:t>Question: Are brighter (with higher absolute magnitude) asteroids bigger in size than darker (with lower absolute magnitude</a:t>
+            </a:r>
+            <a:r>
+              <a:rPr lang="en-US" dirty="0" smtClean="0">
+                <a:solidFill>
+                  <a:srgbClr val="000000"/>
+                </a:solidFill>
+                <a:latin typeface="Helvetica Neue"/>
+              </a:rPr>
+              <a:t>)?</a:t>
+            </a:r>
+          </a:p>
+          <a:p>
+            <a:endParaRPr lang="en-US" dirty="0">
+              <a:solidFill>
+                <a:srgbClr val="000000"/>
+              </a:solidFill>
+              <a:latin typeface="Helvetica Neue"/>
+            </a:endParaRPr>
+          </a:p>
+          <a:p>
+            <a:r>
+              <a:rPr lang="en-US" dirty="0">
+                <a:solidFill>
+                  <a:srgbClr val="000000"/>
+                </a:solidFill>
+                <a:latin typeface="Helvetica Neue"/>
+              </a:rPr>
+              <a:t>Answer: Brighter asteroids are generally smaller in size than darker asteroids. The relationship between absolute magnitude and asteroid diameter appears to be negative logarithmic.</a:t>
+            </a:r>
+            <a:endParaRPr lang="en-US" b="0" i="0" dirty="0">
+              <a:solidFill>
+                <a:srgbClr val="000000"/>
+              </a:solidFill>
+              <a:effectLst/>
+              <a:latin typeface="Helvetica Neue"/>
+            </a:endParaRPr>
+          </a:p>
+        </p:txBody>
+      </p:sp>
+      <p:pic>
+        <p:nvPicPr>
+          <p:cNvPr id="6" name="Picture 5"/>
+          <p:cNvPicPr>
+            <a:picLocks noChangeAspect="1"/>
+          </p:cNvPicPr>
+          <p:nvPr/>
+        </p:nvPicPr>
+        <p:blipFill>
+          <a:blip r:embed="rId2"/>
+          <a:stretch>
+            <a:fillRect/>
+          </a:stretch>
+        </p:blipFill>
+        <p:spPr>
+          <a:xfrm>
+            <a:off x="1500949" y="1514475"/>
+            <a:ext cx="5495925" cy="5343525"/>
+          </a:xfrm>
+          <a:prstGeom prst="rect">
+            <a:avLst/>
+          </a:prstGeom>
+        </p:spPr>
+      </p:pic>
+    </p:spTree>
+    <p:extLst>
+      <p:ext uri="{BB962C8B-B14F-4D97-AF65-F5344CB8AC3E}">
+        <p14:creationId xmlns:p14="http://schemas.microsoft.com/office/powerpoint/2010/main" val="359057726"/>
+      </p:ext>
+    </p:extLst>
+  </p:cSld>
+  <p:clrMapOvr>
+    <a:masterClrMapping/>
+  </p:clrMapOvr>
+</p:sld>
+</file>
+
 <file path=ppt/slides/slide6.xml><?xml version="1.0" encoding="utf-8"?>
 <p:sld xmlns:a="http://schemas.openxmlformats.org/drawingml/2006/main" xmlns:r="http://schemas.openxmlformats.org/officeDocument/2006/relationships" xmlns:p="http://schemas.openxmlformats.org/presentationml/2006/main">
   <p:cSld>
@@ -6489,7 +6581,7 @@
           <p:cNvPr id="2" name="Title 1">
             <a:extLst>
               <a:ext uri="{FF2B5EF4-FFF2-40B4-BE49-F238E27FC236}">
-                <a16:creationId xmlns:a16="http://schemas.microsoft.com/office/drawing/2014/main" id="{E39B1DD9-0BDB-47B8-B5E8-224A0312922A}"/>
+                <a16:creationId xmlns:a16="http://schemas.microsoft.com/office/drawing/2014/main" xmlns="" id="{E39B1DD9-0BDB-47B8-B5E8-224A0312922A}"/>
               </a:ext>
             </a:extLst>
           </p:cNvPr>
@@ -6564,7 +6656,7 @@
           <p:cNvPr id="4" name="Picture 4">
             <a:extLst>
               <a:ext uri="{FF2B5EF4-FFF2-40B4-BE49-F238E27FC236}">
-                <a16:creationId xmlns:a16="http://schemas.microsoft.com/office/drawing/2014/main" id="{A3634FCA-6F08-428F-A49D-121676739FE2}"/>
+                <a16:creationId xmlns:a16="http://schemas.microsoft.com/office/drawing/2014/main" xmlns="" id="{A3634FCA-6F08-428F-A49D-121676739FE2}"/>
               </a:ext>
             </a:extLst>
           </p:cNvPr>
@@ -6623,7 +6715,7 @@
           <p:cNvPr id="2" name="Title 1">
             <a:extLst>
               <a:ext uri="{FF2B5EF4-FFF2-40B4-BE49-F238E27FC236}">
-                <a16:creationId xmlns:a16="http://schemas.microsoft.com/office/drawing/2014/main" id="{3C946792-34ED-4760-AA66-83B8423EC775}"/>
+                <a16:creationId xmlns:a16="http://schemas.microsoft.com/office/drawing/2014/main" xmlns="" id="{3C946792-34ED-4760-AA66-83B8423EC775}"/>
               </a:ext>
             </a:extLst>
           </p:cNvPr>
@@ -6685,6 +6777,16 @@
               </a:rPr>
               <a:t>calculated correlation between absolute_magnitude and estimated_diameter_feet_min.</a:t>
             </a:r>
+            <a:r>
+              <a:rPr lang="en-US" sz="2000" dirty="0">
+                <a:solidFill>
+                  <a:schemeClr val="tx1"/>
+                </a:solidFill>
+                <a:ea typeface="+mj-lt"/>
+                <a:cs typeface="+mj-lt"/>
+              </a:rPr>
+              <a:t/>
+            </a:r>
             <a:br>
               <a:rPr lang="en-US" sz="2000" dirty="0">
                 <a:solidFill>
@@ -6717,7 +6819,7 @@
           <p:cNvPr id="4" name="Picture 4" descr="Shape&#10;&#10;Description automatically generated">
             <a:extLst>
               <a:ext uri="{FF2B5EF4-FFF2-40B4-BE49-F238E27FC236}">
-                <a16:creationId xmlns:a16="http://schemas.microsoft.com/office/drawing/2014/main" id="{3E73E7A3-2965-4F06-9DC9-DA194CF30E82}"/>
+                <a16:creationId xmlns:a16="http://schemas.microsoft.com/office/drawing/2014/main" xmlns="" id="{3E73E7A3-2965-4F06-9DC9-DA194CF30E82}"/>
               </a:ext>
             </a:extLst>
           </p:cNvPr>

--- a/ExploratoryProjectSlides.pptx
+++ b/ExploratoryProjectSlides.pptx
@@ -121,6 +121,7 @@
 <file path=ppt/revisionInfo.xml><?xml version="1.0" encoding="utf-8"?>
 <p1510:revInfo xmlns:a="http://schemas.openxmlformats.org/drawingml/2006/main" xmlns:r="http://schemas.openxmlformats.org/officeDocument/2006/relationships" xmlns:p1510="http://schemas.microsoft.com/office/powerpoint/2015/10/main">
   <p1510:revLst>
+    <p1510:client id="{27B0AE50-721A-4699-BA6B-D34BB0854264}" v="67" dt="2021-11-09T23:45:45.912"/>
     <p1510:client id="{A84930F7-4D92-4720-97DB-227C3E041B76}" v="3" dt="2021-11-08T00:55:32.518"/>
     <p1510:client id="{B327E1FC-1EDE-4C0E-B4F4-561D5185D5F8}" v="422" dt="2021-11-08T21:19:30.602"/>
     <p1510:client id="{EB941626-20D9-496B-B9AE-3D6747993331}" v="91" dt="2021-11-08T01:02:12.163"/>
@@ -851,7 +852,7 @@
             <a:fld id="{B61BEF0D-F0BB-DE4B-95CE-6DB70DBA9567}" type="datetimeFigureOut">
               <a:rPr lang="en-US" dirty="0"/>
               <a:pPr/>
-              <a:t>11/8/2021</a:t>
+              <a:t>11/9/2021</a:t>
             </a:fld>
             <a:endParaRPr lang="en-US" dirty="0"/>
           </a:p>
@@ -1099,7 +1100,7 @@
             <a:fld id="{B61BEF0D-F0BB-DE4B-95CE-6DB70DBA9567}" type="datetimeFigureOut">
               <a:rPr lang="en-US" dirty="0"/>
               <a:pPr/>
-              <a:t>11/8/2021</a:t>
+              <a:t>11/9/2021</a:t>
             </a:fld>
             <a:endParaRPr lang="en-US" dirty="0"/>
           </a:p>
@@ -1410,7 +1411,7 @@
             <a:fld id="{B61BEF0D-F0BB-DE4B-95CE-6DB70DBA9567}" type="datetimeFigureOut">
               <a:rPr lang="en-US" dirty="0"/>
               <a:pPr/>
-              <a:t>11/8/2021</a:t>
+              <a:t>11/9/2021</a:t>
             </a:fld>
             <a:endParaRPr lang="en-US" dirty="0"/>
           </a:p>
@@ -1748,7 +1749,7 @@
             <a:fld id="{B61BEF0D-F0BB-DE4B-95CE-6DB70DBA9567}" type="datetimeFigureOut">
               <a:rPr lang="en-US" dirty="0"/>
               <a:pPr/>
-              <a:t>11/8/2021</a:t>
+              <a:t>11/9/2021</a:t>
             </a:fld>
             <a:endParaRPr lang="en-US" dirty="0"/>
           </a:p>
@@ -2059,7 +2060,7 @@
             <a:fld id="{B61BEF0D-F0BB-DE4B-95CE-6DB70DBA9567}" type="datetimeFigureOut">
               <a:rPr lang="en-US" dirty="0"/>
               <a:pPr/>
-              <a:t>11/8/2021</a:t>
+              <a:t>11/9/2021</a:t>
             </a:fld>
             <a:endParaRPr lang="en-US" dirty="0"/>
           </a:p>
@@ -2449,7 +2450,7 @@
             <a:fld id="{B61BEF0D-F0BB-DE4B-95CE-6DB70DBA9567}" type="datetimeFigureOut">
               <a:rPr lang="en-US" dirty="0"/>
               <a:pPr/>
-              <a:t>11/8/2021</a:t>
+              <a:t>11/9/2021</a:t>
             </a:fld>
             <a:endParaRPr lang="en-US" dirty="0"/>
           </a:p>
@@ -2615,7 +2616,7 @@
           <a:p>
             <a:fld id="{55C6B4A9-1611-4792-9094-5F34BCA07E0B}" type="datetimeFigureOut">
               <a:rPr lang="en-US" dirty="0"/>
-              <a:t>11/8/2021</a:t>
+              <a:t>11/9/2021</a:t>
             </a:fld>
             <a:endParaRPr lang="en-US" dirty="0"/>
           </a:p>
@@ -2791,7 +2792,7 @@
             <a:fld id="{B61BEF0D-F0BB-DE4B-95CE-6DB70DBA9567}" type="datetimeFigureOut">
               <a:rPr lang="en-US" dirty="0"/>
               <a:pPr/>
-              <a:t>11/8/2021</a:t>
+              <a:t>11/9/2021</a:t>
             </a:fld>
             <a:endParaRPr lang="en-US" dirty="0"/>
           </a:p>
@@ -2964,7 +2965,7 @@
             <a:fld id="{B61BEF0D-F0BB-DE4B-95CE-6DB70DBA9567}" type="datetimeFigureOut">
               <a:rPr lang="en-US" dirty="0"/>
               <a:pPr/>
-              <a:t>11/8/2021</a:t>
+              <a:t>11/9/2021</a:t>
             </a:fld>
             <a:endParaRPr lang="en-US" dirty="0"/>
           </a:p>
@@ -3208,7 +3209,7 @@
             <a:fld id="{B61BEF0D-F0BB-DE4B-95CE-6DB70DBA9567}" type="datetimeFigureOut">
               <a:rPr lang="en-US" dirty="0"/>
               <a:pPr/>
-              <a:t>11/8/2021</a:t>
+              <a:t>11/9/2021</a:t>
             </a:fld>
             <a:endParaRPr lang="en-US" dirty="0"/>
           </a:p>
@@ -3436,7 +3437,7 @@
           <a:p>
             <a:fld id="{EB712588-04B1-427B-82EE-E8DB90309F08}" type="datetimeFigureOut">
               <a:rPr lang="en-US" dirty="0"/>
-              <a:t>11/8/2021</a:t>
+              <a:t>11/9/2021</a:t>
             </a:fld>
             <a:endParaRPr lang="en-US" dirty="0"/>
           </a:p>
@@ -3806,7 +3807,7 @@
             <a:fld id="{B61BEF0D-F0BB-DE4B-95CE-6DB70DBA9567}" type="datetimeFigureOut">
               <a:rPr lang="en-US" dirty="0"/>
               <a:pPr/>
-              <a:t>11/8/2021</a:t>
+              <a:t>11/9/2021</a:t>
             </a:fld>
             <a:endParaRPr lang="en-US" dirty="0"/>
           </a:p>
@@ -3926,7 +3927,7 @@
             <a:fld id="{B61BEF0D-F0BB-DE4B-95CE-6DB70DBA9567}" type="datetimeFigureOut">
               <a:rPr lang="en-US" dirty="0"/>
               <a:pPr/>
-              <a:t>11/8/2021</a:t>
+              <a:t>11/9/2021</a:t>
             </a:fld>
             <a:endParaRPr lang="en-US" dirty="0"/>
           </a:p>
@@ -4018,7 +4019,7 @@
             <a:fld id="{B61BEF0D-F0BB-DE4B-95CE-6DB70DBA9567}" type="datetimeFigureOut">
               <a:rPr lang="en-US" dirty="0"/>
               <a:pPr/>
-              <a:t>11/8/2021</a:t>
+              <a:t>11/9/2021</a:t>
             </a:fld>
             <a:endParaRPr lang="en-US" dirty="0"/>
           </a:p>
@@ -4269,7 +4270,7 @@
           <a:p>
             <a:fld id="{42A54C80-263E-416B-A8E0-580EDEADCBDC}" type="datetimeFigureOut">
               <a:rPr lang="en-US" dirty="0"/>
-              <a:t>11/8/2021</a:t>
+              <a:t>11/9/2021</a:t>
             </a:fld>
             <a:endParaRPr lang="en-US" dirty="0"/>
           </a:p>
@@ -4528,7 +4529,7 @@
             <a:fld id="{B61BEF0D-F0BB-DE4B-95CE-6DB70DBA9567}" type="datetimeFigureOut">
               <a:rPr lang="en-US" dirty="0"/>
               <a:pPr/>
-              <a:t>11/8/2021</a:t>
+              <a:t>11/9/2021</a:t>
             </a:fld>
             <a:endParaRPr lang="en-US" dirty="0"/>
           </a:p>
@@ -5268,7 +5269,7 @@
             <a:fld id="{B61BEF0D-F0BB-DE4B-95CE-6DB70DBA9567}" type="datetimeFigureOut">
               <a:rPr lang="en-US" dirty="0"/>
               <a:pPr/>
-              <a:t>11/8/2021</a:t>
+              <a:t>11/9/2021</a:t>
             </a:fld>
             <a:endParaRPr lang="en-US" dirty="0"/>
           </a:p>
@@ -5924,7 +5925,7 @@
           <p:cNvPr id="4" name="TextBox 3">
             <a:extLst>
               <a:ext uri="{FF2B5EF4-FFF2-40B4-BE49-F238E27FC236}">
-                <a16:creationId xmlns:a16="http://schemas.microsoft.com/office/drawing/2014/main" xmlns="" id="{AB058019-9A19-4B57-910D-E17B96EA4F25}"/>
+                <a16:creationId xmlns:a16="http://schemas.microsoft.com/office/drawing/2014/main" id="{AB058019-9A19-4B57-910D-E17B96EA4F25}"/>
               </a:ext>
             </a:extLst>
           </p:cNvPr>
@@ -6008,7 +6009,7 @@
           <p:cNvPr id="2" name="Title 1">
             <a:extLst>
               <a:ext uri="{FF2B5EF4-FFF2-40B4-BE49-F238E27FC236}">
-                <a16:creationId xmlns:a16="http://schemas.microsoft.com/office/drawing/2014/main" xmlns="" id="{0FE14354-C9E9-4C4D-8539-064E5CE6E376}"/>
+                <a16:creationId xmlns:a16="http://schemas.microsoft.com/office/drawing/2014/main" id="{0FE14354-C9E9-4C4D-8539-064E5CE6E376}"/>
               </a:ext>
             </a:extLst>
           </p:cNvPr>
@@ -6039,17 +6040,9 @@
               </a:rPr>
               <a:t>Steps we did:</a:t>
             </a:r>
-            <a:r>
-              <a:rPr lang="en-US" dirty="0"/>
-              <a:t/>
-            </a:r>
             <a:br>
               <a:rPr lang="en-US" dirty="0"/>
             </a:br>
-            <a:r>
-              <a:rPr lang="en-US" dirty="0"/>
-              <a:t/>
-            </a:r>
             <a:br>
               <a:rPr lang="en-US" dirty="0"/>
             </a:br>
@@ -6062,7 +6055,7 @@
           <p:cNvPr id="3" name="Content Placeholder 2">
             <a:extLst>
               <a:ext uri="{FF2B5EF4-FFF2-40B4-BE49-F238E27FC236}">
-                <a16:creationId xmlns:a16="http://schemas.microsoft.com/office/drawing/2014/main" xmlns="" id="{1D383AFD-C405-4A3A-80DD-26068D9EE5EE}"/>
+                <a16:creationId xmlns:a16="http://schemas.microsoft.com/office/drawing/2014/main" id="{1D383AFD-C405-4A3A-80DD-26068D9EE5EE}"/>
               </a:ext>
             </a:extLst>
           </p:cNvPr>
@@ -6130,9 +6123,10 @@
               <a:buChar char="v"/>
             </a:pPr>
             <a:r>
-              <a:rPr lang="en-US" sz="2400" dirty="0"/>
-              <a:t>Calculated some statistics</a:t>
-            </a:r>
+              <a:rPr lang="en-US" sz="2400"/>
+              <a:t>Calculated few statistics</a:t>
+            </a:r>
+            <a:endParaRPr lang="en-US" sz="2400" dirty="0"/>
           </a:p>
           <a:p>
             <a:pPr>
@@ -6218,16 +6212,7 @@
                 </a:solidFill>
                 <a:latin typeface="Helvetica Neue"/>
               </a:rPr>
-              <a:t>Question: Are asteroids coming closer to Earth typically larger or smaller in size than the ones that miss the earth at farther distances? How many asteroids with a diameter of 1 kilometer or more missed the Earth by 7.5 million kilometers or less</a:t>
-            </a:r>
-            <a:r>
-              <a:rPr lang="en-US" dirty="0" smtClean="0">
-                <a:solidFill>
-                  <a:srgbClr val="000000"/>
-                </a:solidFill>
-                <a:latin typeface="Helvetica Neue"/>
-              </a:rPr>
-              <a:t>?</a:t>
+              <a:t>Question: Are asteroids coming closer to Earth typically larger or smaller in size than the ones that miss the earth at farther distances? How many asteroids with a diameter of 1 kilometer or more missed the Earth by 7.5 million kilometers or less?</a:t>
             </a:r>
           </a:p>
           <a:p>
@@ -6317,7 +6302,7 @@
           <p:cNvPr id="2" name="Title 1">
             <a:extLst>
               <a:ext uri="{FF2B5EF4-FFF2-40B4-BE49-F238E27FC236}">
-                <a16:creationId xmlns:a16="http://schemas.microsoft.com/office/drawing/2014/main" xmlns="" id="{A9A37C1A-4BB5-4F67-BB20-1AA3B4E77D64}"/>
+                <a16:creationId xmlns:a16="http://schemas.microsoft.com/office/drawing/2014/main" id="{A9A37C1A-4BB5-4F67-BB20-1AA3B4E77D64}"/>
               </a:ext>
             </a:extLst>
           </p:cNvPr>
@@ -6331,7 +6316,7 @@
         <p:spPr>
           <a:xfrm>
             <a:off x="332277" y="178279"/>
-            <a:ext cx="9998165" cy="1723366"/>
+            <a:ext cx="8959075" cy="1723366"/>
           </a:xfrm>
         </p:spPr>
         <p:txBody>
@@ -6340,16 +6325,6 @@
           </a:bodyPr>
           <a:lstStyle/>
           <a:p>
-            <a:r>
-              <a:rPr lang="en-US" sz="2800" dirty="0">
-                <a:solidFill>
-                  <a:schemeClr val="tx1"/>
-                </a:solidFill>
-                <a:ea typeface="+mj-lt"/>
-                <a:cs typeface="+mj-lt"/>
-              </a:rPr>
-              <a:t>How many asteroids came near to earth in the month of October 2021?</a:t>
-            </a:r>
             <a:br>
               <a:rPr lang="en-US" sz="2800" dirty="0">
                 <a:solidFill>
@@ -6360,6 +6335,35 @@
               </a:rPr>
             </a:br>
             <a:r>
+              <a:rPr lang="en-US" sz="2800">
+                <a:solidFill>
+                  <a:schemeClr val="tx1"/>
+                </a:solidFill>
+                <a:ea typeface="+mj-lt"/>
+                <a:cs typeface="+mj-lt"/>
+              </a:rPr>
+              <a:t>How many asteroids came near to earth in the month of </a:t>
+            </a:r>
+            <a:r>
+              <a:rPr lang="en-US" sz="2800" dirty="0">
+                <a:solidFill>
+                  <a:schemeClr val="tx1"/>
+                </a:solidFill>
+                <a:ea typeface="+mj-lt"/>
+                <a:cs typeface="+mj-lt"/>
+              </a:rPr>
+              <a:t>October 2021?</a:t>
+            </a:r>
+            <a:br>
+              <a:rPr lang="en-US" sz="2800" dirty="0">
+                <a:solidFill>
+                  <a:schemeClr val="tx1"/>
+                </a:solidFill>
+                <a:ea typeface="+mj-lt"/>
+                <a:cs typeface="+mj-lt"/>
+              </a:rPr>
+            </a:br>
+            <a:r>
               <a:rPr lang="en-US" sz="2800" dirty="0">
                 <a:solidFill>
                   <a:schemeClr val="tx1"/>
@@ -6370,16 +6374,16 @@
               <a:t> </a:t>
             </a:r>
             <a:r>
-              <a:rPr lang="en-US" sz="2700" dirty="0">
+              <a:rPr lang="en-US" sz="2700">
                 <a:solidFill>
                   <a:schemeClr val="tx1"/>
                 </a:solidFill>
                 <a:ea typeface="+mj-lt"/>
                 <a:cs typeface="+mj-lt"/>
               </a:rPr>
-              <a:t>There are  612 asteroids came closer to earth in October month 2021.</a:t>
-            </a:r>
-            <a:endParaRPr lang="en-US" sz="2700" dirty="0">
+              <a:t>There are  615 asteroids came closer to earth in October month 2021.</a:t>
+            </a:r>
+            <a:endParaRPr lang="en-US" sz="2700">
               <a:solidFill>
                 <a:schemeClr val="tx1"/>
               </a:solidFill>
@@ -6396,10 +6400,10 @@
       </p:sp>
       <p:pic>
         <p:nvPicPr>
-          <p:cNvPr id="8" name="Picture 8" descr="Histogram&#10;&#10;Description automatically generated">
+          <p:cNvPr id="3" name="Picture 3" descr="Chart, bar chart, histogram&#10;&#10;Description automatically generated">
             <a:extLst>
               <a:ext uri="{FF2B5EF4-FFF2-40B4-BE49-F238E27FC236}">
-                <a16:creationId xmlns:a16="http://schemas.microsoft.com/office/drawing/2014/main" xmlns="" id="{0CAA2EB7-6D72-4F24-B27D-653CE972F2C6}"/>
+                <a16:creationId xmlns:a16="http://schemas.microsoft.com/office/drawing/2014/main" id="{135E0B17-4E07-4D17-B2EA-46AE0F0AB28B}"/>
               </a:ext>
             </a:extLst>
           </p:cNvPr>
@@ -6416,8 +6420,8 @@
         </p:blipFill>
         <p:spPr>
           <a:xfrm>
-            <a:off x="1924050" y="1947532"/>
-            <a:ext cx="6867525" cy="4325010"/>
+            <a:off x="1780310" y="2564394"/>
+            <a:ext cx="5981699" cy="3677507"/>
           </a:xfrm>
           <a:prstGeom prst="rect">
             <a:avLst/>
@@ -6482,16 +6486,7 @@
                 </a:solidFill>
                 <a:latin typeface="Helvetica Neue"/>
               </a:rPr>
-              <a:t>Question: Are brighter (with higher absolute magnitude) asteroids bigger in size than darker (with lower absolute magnitude</a:t>
-            </a:r>
-            <a:r>
-              <a:rPr lang="en-US" dirty="0" smtClean="0">
-                <a:solidFill>
-                  <a:srgbClr val="000000"/>
-                </a:solidFill>
-                <a:latin typeface="Helvetica Neue"/>
-              </a:rPr>
-              <a:t>)?</a:t>
+              <a:t>Question: Are brighter (with higher absolute magnitude) asteroids bigger in size than darker (with lower absolute magnitude)?</a:t>
             </a:r>
           </a:p>
           <a:p>
@@ -6581,7 +6576,7 @@
           <p:cNvPr id="2" name="Title 1">
             <a:extLst>
               <a:ext uri="{FF2B5EF4-FFF2-40B4-BE49-F238E27FC236}">
-                <a16:creationId xmlns:a16="http://schemas.microsoft.com/office/drawing/2014/main" xmlns="" id="{E39B1DD9-0BDB-47B8-B5E8-224A0312922A}"/>
+                <a16:creationId xmlns:a16="http://schemas.microsoft.com/office/drawing/2014/main" id="{E39B1DD9-0BDB-47B8-B5E8-224A0312922A}"/>
               </a:ext>
             </a:extLst>
           </p:cNvPr>
@@ -6624,26 +6619,26 @@
               </a:rPr>
             </a:br>
             <a:r>
-              <a:rPr lang="en-US" sz="2200">
+              <a:rPr lang="en-US" sz="2200" dirty="0">
                 <a:solidFill>
                   <a:schemeClr val="tx1"/>
                 </a:solidFill>
                 <a:ea typeface="+mj-lt"/>
                 <a:cs typeface="+mj-lt"/>
               </a:rPr>
-              <a:t>Among 612 asteriods, 39 are hazardous and 573 are not potentially </a:t>
-            </a:r>
-            <a:r>
-              <a:rPr lang="en-US" sz="2200" dirty="0">
+              <a:t>Among 615 asteroids, 40 are hazardous and 575 are not potentially hazardous </a:t>
+            </a:r>
+            <a:r>
+              <a:rPr lang="en-US" sz="2200">
                 <a:solidFill>
                   <a:schemeClr val="tx1"/>
                 </a:solidFill>
                 <a:ea typeface="+mj-lt"/>
                 <a:cs typeface="+mj-lt"/>
               </a:rPr>
-              <a:t>hazardous asteriods.</a:t>
-            </a:r>
-            <a:endParaRPr lang="en-US" sz="2200" dirty="0">
+              <a:t>asteroids.</a:t>
+            </a:r>
+            <a:endParaRPr lang="en-US" sz="2200">
               <a:solidFill>
                 <a:schemeClr val="tx1"/>
               </a:solidFill>
@@ -6653,19 +6648,17 @@
       </p:sp>
       <p:pic>
         <p:nvPicPr>
-          <p:cNvPr id="4" name="Picture 4">
+          <p:cNvPr id="3" name="Picture 4" descr="Chart, pie chart&#10;&#10;Description automatically generated">
             <a:extLst>
               <a:ext uri="{FF2B5EF4-FFF2-40B4-BE49-F238E27FC236}">
-                <a16:creationId xmlns:a16="http://schemas.microsoft.com/office/drawing/2014/main" xmlns="" id="{A3634FCA-6F08-428F-A49D-121676739FE2}"/>
+                <a16:creationId xmlns:a16="http://schemas.microsoft.com/office/drawing/2014/main" id="{B1969BAF-B690-45B7-8E8C-1928C35AC507}"/>
               </a:ext>
             </a:extLst>
           </p:cNvPr>
           <p:cNvPicPr>
-            <a:picLocks noGrp="1" noChangeAspect="1"/>
+            <a:picLocks noChangeAspect="1"/>
           </p:cNvPicPr>
-          <p:nvPr>
-            <p:ph idx="1"/>
-          </p:nvPr>
+          <p:nvPr/>
         </p:nvPicPr>
         <p:blipFill>
           <a:blip r:embed="rId2"/>
@@ -6675,9 +6668,12 @@
         </p:blipFill>
         <p:spPr>
           <a:xfrm>
-            <a:off x="1546668" y="2386476"/>
-            <a:ext cx="6858000" cy="3429000"/>
+            <a:off x="2684868" y="2292944"/>
+            <a:ext cx="4889809" cy="3477625"/>
           </a:xfrm>
+          <a:prstGeom prst="rect">
+            <a:avLst/>
+          </a:prstGeom>
         </p:spPr>
       </p:pic>
     </p:spTree>
@@ -6715,7 +6711,7 @@
           <p:cNvPr id="2" name="Title 1">
             <a:extLst>
               <a:ext uri="{FF2B5EF4-FFF2-40B4-BE49-F238E27FC236}">
-                <a16:creationId xmlns:a16="http://schemas.microsoft.com/office/drawing/2014/main" xmlns="" id="{3C946792-34ED-4760-AA66-83B8423EC775}"/>
+                <a16:creationId xmlns:a16="http://schemas.microsoft.com/office/drawing/2014/main" id="{3C946792-34ED-4760-AA66-83B8423EC775}"/>
               </a:ext>
             </a:extLst>
           </p:cNvPr>
@@ -6765,27 +6761,7 @@
                 <a:ea typeface="+mj-lt"/>
                 <a:cs typeface="+mj-lt"/>
               </a:rPr>
-              <a:t>Correlation tells us how strong the relationship is between the variables. We have </a:t>
-            </a:r>
-            <a:r>
-              <a:rPr lang="en-US" sz="2000">
-                <a:solidFill>
-                  <a:schemeClr val="tx1"/>
-                </a:solidFill>
-                <a:ea typeface="+mj-lt"/>
-                <a:cs typeface="+mj-lt"/>
-              </a:rPr>
-              <a:t>calculated correlation between absolute_magnitude and estimated_diameter_feet_min.</a:t>
-            </a:r>
-            <a:r>
-              <a:rPr lang="en-US" sz="2000" dirty="0">
-                <a:solidFill>
-                  <a:schemeClr val="tx1"/>
-                </a:solidFill>
-                <a:ea typeface="+mj-lt"/>
-                <a:cs typeface="+mj-lt"/>
-              </a:rPr>
-              <a:t/>
+              <a:t>Correlation tells us how strong the relationship is between the variables. We have calculated correlation between absolute magnitude and estimated_diameter_feet_min.</a:t>
             </a:r>
             <a:br>
               <a:rPr lang="en-US" sz="2000" dirty="0">
@@ -6797,16 +6773,36 @@
               </a:rPr>
             </a:br>
             <a:r>
-              <a:rPr lang="en-US" sz="2000">
+              <a:rPr lang="en-US" sz="2000" dirty="0">
                 <a:solidFill>
                   <a:schemeClr val="tx1"/>
                 </a:solidFill>
                 <a:ea typeface="+mj-lt"/>
                 <a:cs typeface="+mj-lt"/>
               </a:rPr>
-              <a:t>Graph shows that as x increases, y decreases. Its called negative correlation.</a:t>
-            </a:r>
-            <a:endParaRPr lang="en-US" sz="2000">
+              <a:t>Graph shows that as x increases, y decreases. </a:t>
+            </a:r>
+            <a:r>
+              <a:rPr lang="en-US" sz="2000">
+                <a:solidFill>
+                  <a:schemeClr val="tx1"/>
+                </a:solidFill>
+                <a:ea typeface="+mj-lt"/>
+                <a:cs typeface="+mj-lt"/>
+              </a:rPr>
+              <a:t>It is</a:t>
+            </a:r>
+            <a:r>
+              <a:rPr lang="en-US" sz="2000" dirty="0">
+                <a:solidFill>
+                  <a:schemeClr val="tx1"/>
+                </a:solidFill>
+                <a:ea typeface="+mj-lt"/>
+                <a:cs typeface="+mj-lt"/>
+              </a:rPr>
+              <a:t> called negative correlation.</a:t>
+            </a:r>
+            <a:endParaRPr lang="en-US" sz="2000" dirty="0">
               <a:solidFill>
                 <a:schemeClr val="tx1"/>
               </a:solidFill>
@@ -6816,10 +6812,10 @@
       </p:sp>
       <p:pic>
         <p:nvPicPr>
-          <p:cNvPr id="4" name="Picture 4" descr="Shape&#10;&#10;Description automatically generated">
+          <p:cNvPr id="6" name="Picture 6" descr="Shape&#10;&#10;Description automatically generated">
             <a:extLst>
               <a:ext uri="{FF2B5EF4-FFF2-40B4-BE49-F238E27FC236}">
-                <a16:creationId xmlns:a16="http://schemas.microsoft.com/office/drawing/2014/main" xmlns="" id="{3E73E7A3-2965-4F06-9DC9-DA194CF30E82}"/>
+                <a16:creationId xmlns:a16="http://schemas.microsoft.com/office/drawing/2014/main" id="{B0E6BD46-A222-4BA2-AF94-F92711ECC639}"/>
               </a:ext>
             </a:extLst>
           </p:cNvPr>
@@ -6838,8 +6834,8 @@
         </p:blipFill>
         <p:spPr>
           <a:xfrm>
-            <a:off x="2027680" y="2586500"/>
-            <a:ext cx="5895975" cy="3028950"/>
+            <a:off x="2310400" y="2848438"/>
+            <a:ext cx="5044786" cy="2505075"/>
           </a:xfrm>
         </p:spPr>
       </p:pic>

--- a/ExploratoryProjectSlides.pptx
+++ b/ExploratoryProjectSlides.pptx
@@ -5,13 +5,15 @@
     <p:sldMasterId id="2147483648" r:id="rId1"/>
   </p:sldMasterIdLst>
   <p:sldIdLst>
-    <p:sldId id="256" r:id="rId2"/>
-    <p:sldId id="257" r:id="rId3"/>
-    <p:sldId id="260" r:id="rId4"/>
-    <p:sldId id="258" r:id="rId5"/>
-    <p:sldId id="261" r:id="rId6"/>
-    <p:sldId id="259" r:id="rId7"/>
-    <p:sldId id="262" r:id="rId8"/>
+    <p:sldId id="264" r:id="rId2"/>
+    <p:sldId id="256" r:id="rId3"/>
+    <p:sldId id="257" r:id="rId4"/>
+    <p:sldId id="260" r:id="rId5"/>
+    <p:sldId id="258" r:id="rId6"/>
+    <p:sldId id="261" r:id="rId7"/>
+    <p:sldId id="259" r:id="rId8"/>
+    <p:sldId id="262" r:id="rId9"/>
+    <p:sldId id="263" r:id="rId10"/>
   </p:sldIdLst>
   <p:sldSz cx="12192000" cy="6858000"/>
   <p:notesSz cx="6858000" cy="9144000"/>
@@ -124,6 +126,7 @@
     <p1510:client id="{27B0AE50-721A-4699-BA6B-D34BB0854264}" v="67" dt="2021-11-09T23:45:45.912"/>
     <p1510:client id="{A84930F7-4D92-4720-97DB-227C3E041B76}" v="3" dt="2021-11-08T00:55:32.518"/>
     <p1510:client id="{B327E1FC-1EDE-4C0E-B4F4-561D5185D5F8}" v="422" dt="2021-11-08T21:19:30.602"/>
+    <p1510:client id="{DB191D18-90D3-485E-908F-1F09E09D3C9D}" v="357" dt="2021-11-10T02:58:43.265"/>
     <p1510:client id="{EB941626-20D9-496B-B9AE-3D6747993331}" v="91" dt="2021-11-08T01:02:12.163"/>
   </p1510:revLst>
 </p1510:revInfo>
@@ -5791,193 +5794,100 @@
       </p:grpSpPr>
       <p:sp>
         <p:nvSpPr>
-          <p:cNvPr id="2" name="Title 1"/>
-          <p:cNvSpPr>
-            <a:spLocks noGrp="1"/>
-          </p:cNvSpPr>
-          <p:nvPr>
-            <p:ph type="ctrTitle"/>
-          </p:nvPr>
-        </p:nvSpPr>
-        <p:spPr>
-          <a:xfrm>
-            <a:off x="701936" y="305440"/>
-            <a:ext cx="9089652" cy="2178264"/>
-          </a:xfrm>
-        </p:spPr>
-        <p:txBody>
-          <a:bodyPr vert="horz" lIns="91440" tIns="45720" rIns="91440" bIns="45720" rtlCol="0" anchor="t">
-            <a:noAutofit/>
-          </a:bodyPr>
-          <a:lstStyle/>
-          <a:p>
-            <a:pPr algn="l"/>
-            <a:r>
-              <a:rPr lang="en-US" sz="4800" b="1" dirty="0">
-                <a:solidFill>
-                  <a:schemeClr val="tx1"/>
-                </a:solidFill>
-              </a:rPr>
-              <a:t>Exploratory Data Analysis</a:t>
-            </a:r>
-            <a:r>
-              <a:rPr lang="en-US" dirty="0">
-                <a:solidFill>
-                  <a:schemeClr val="tx1"/>
-                </a:solidFill>
-              </a:rPr>
-              <a:t> </a:t>
-            </a:r>
-            <a:br>
-              <a:rPr lang="en-US" dirty="0">
-                <a:solidFill>
-                  <a:schemeClr val="tx1"/>
-                </a:solidFill>
-              </a:rPr>
-            </a:br>
-            <a:r>
-              <a:rPr lang="en-US" sz="4400" dirty="0">
-                <a:solidFill>
-                  <a:schemeClr val="tx1"/>
-                </a:solidFill>
-              </a:rPr>
-              <a:t>NASA Asteroids</a:t>
-            </a:r>
-            <a:r>
-              <a:rPr lang="en-US" sz="4000" dirty="0">
-                <a:solidFill>
-                  <a:schemeClr val="tx1"/>
-                </a:solidFill>
-                <a:ea typeface="+mj-lt"/>
-                <a:cs typeface="+mj-lt"/>
-              </a:rPr>
-              <a:t> - </a:t>
-            </a:r>
-            <a:r>
-              <a:rPr lang="en-US" sz="4000" noProof="1">
-                <a:solidFill>
-                  <a:schemeClr val="tx1"/>
-                </a:solidFill>
-                <a:ea typeface="+mj-lt"/>
-                <a:cs typeface="+mj-lt"/>
-              </a:rPr>
-              <a:t>NeoWs</a:t>
-            </a:r>
-            <a:r>
-              <a:rPr lang="en-US" sz="4000" dirty="0">
-                <a:solidFill>
-                  <a:schemeClr val="tx1"/>
-                </a:solidFill>
-                <a:ea typeface="+mj-lt"/>
-                <a:cs typeface="+mj-lt"/>
-              </a:rPr>
-              <a:t>(Near Earth Object Webservice)</a:t>
-            </a:r>
-            <a:endParaRPr lang="en-US" sz="4000">
-              <a:solidFill>
-                <a:schemeClr val="tx1"/>
-              </a:solidFill>
-              <a:ea typeface="+mj-lt"/>
-              <a:cs typeface="+mj-lt"/>
-            </a:endParaRPr>
-          </a:p>
-          <a:p>
-            <a:endParaRPr lang="en-US" dirty="0"/>
-          </a:p>
-        </p:txBody>
-      </p:sp>
-      <p:sp>
-        <p:nvSpPr>
-          <p:cNvPr id="3" name="Subtitle 2"/>
-          <p:cNvSpPr>
-            <a:spLocks noGrp="1"/>
-          </p:cNvSpPr>
-          <p:nvPr>
-            <p:ph type="subTitle" idx="1"/>
-          </p:nvPr>
-        </p:nvSpPr>
-        <p:spPr>
-          <a:xfrm>
-            <a:off x="701934" y="2886266"/>
-            <a:ext cx="9161540" cy="1283806"/>
-          </a:xfrm>
-        </p:spPr>
-        <p:txBody>
-          <a:bodyPr>
-            <a:normAutofit/>
-          </a:bodyPr>
-          <a:lstStyle/>
-          <a:p>
-            <a:pPr algn="l"/>
-            <a:r>
-              <a:rPr lang="en-US" sz="2800" dirty="0">
-                <a:ea typeface="+mn-lt"/>
-                <a:cs typeface="+mn-lt"/>
-              </a:rPr>
-              <a:t>Exploratory data analysis is a process for exploring datasets, answering questions, and visualizing results. </a:t>
-            </a:r>
-            <a:endParaRPr lang="en-US" sz="2800" dirty="0"/>
-          </a:p>
-        </p:txBody>
-      </p:sp>
-      <p:sp>
-        <p:nvSpPr>
-          <p:cNvPr id="4" name="TextBox 3">
+          <p:cNvPr id="2" name="Title 1">
             <a:extLst>
               <a:ext uri="{FF2B5EF4-FFF2-40B4-BE49-F238E27FC236}">
-                <a16:creationId xmlns:a16="http://schemas.microsoft.com/office/drawing/2014/main" id="{AB058019-9A19-4B57-910D-E17B96EA4F25}"/>
+                <a16:creationId xmlns:a16="http://schemas.microsoft.com/office/drawing/2014/main" id="{8DB9A043-0988-457F-9A9F-05E69F8BC1D0}"/>
               </a:ext>
             </a:extLst>
           </p:cNvPr>
-          <p:cNvSpPr txBox="1"/>
+          <p:cNvSpPr>
+            <a:spLocks noGrp="1"/>
+          </p:cNvSpPr>
+          <p:nvPr>
+            <p:ph type="title"/>
+          </p:nvPr>
+        </p:nvSpPr>
+        <p:spPr/>
+        <p:txBody>
+          <a:bodyPr/>
+          <a:lstStyle/>
+          <a:p>
+            <a:pPr algn="ctr"/>
+            <a:r>
+              <a:rPr lang="en-US" dirty="0">
+                <a:solidFill>
+                  <a:schemeClr val="tx1"/>
+                </a:solidFill>
+              </a:rPr>
+              <a:t>"We became friends "</a:t>
+            </a:r>
+          </a:p>
+        </p:txBody>
+      </p:sp>
+      <p:pic>
+        <p:nvPicPr>
+          <p:cNvPr id="5" name="Picture 5">
+            <a:extLst>
+              <a:ext uri="{FF2B5EF4-FFF2-40B4-BE49-F238E27FC236}">
+                <a16:creationId xmlns:a16="http://schemas.microsoft.com/office/drawing/2014/main" id="{CBB25862-5570-4CC7-B8DD-79498B624B64}"/>
+              </a:ext>
+            </a:extLst>
+          </p:cNvPr>
+          <p:cNvPicPr>
+            <a:picLocks noChangeAspect="1"/>
+          </p:cNvPicPr>
           <p:nvPr/>
-        </p:nvSpPr>
+        </p:nvPicPr>
+        <p:blipFill>
+          <a:blip r:embed="rId2"/>
+          <a:stretch>
+            <a:fillRect/>
+          </a:stretch>
+        </p:blipFill>
         <p:spPr>
           <a:xfrm>
-            <a:off x="698739" y="4925683"/>
-            <a:ext cx="4669765" cy="1200329"/>
+            <a:off x="5013529" y="2547294"/>
+            <a:ext cx="3851563" cy="2888672"/>
           </a:xfrm>
           <a:prstGeom prst="rect">
             <a:avLst/>
           </a:prstGeom>
-          <a:noFill/>
         </p:spPr>
-        <p:txBody>
-          <a:bodyPr rot="0" spcFirstLastPara="0" vertOverflow="overflow" horzOverflow="overflow" vert="horz" wrap="square" lIns="91440" tIns="45720" rIns="91440" bIns="45720" numCol="1" spcCol="0" rtlCol="0" fromWordArt="0" anchor="t" anchorCtr="0" forceAA="0" compatLnSpc="1">
-            <a:prstTxWarp prst="textNoShape">
-              <a:avLst/>
-            </a:prstTxWarp>
-            <a:spAutoFit/>
-          </a:bodyPr>
-          <a:lstStyle/>
-          <a:p>
-            <a:r>
-              <a:rPr lang="en-US" sz="2400" dirty="0"/>
-              <a:t>Done by:</a:t>
-            </a:r>
-          </a:p>
-          <a:p>
-            <a:r>
-              <a:rPr lang="en-US" sz="2400" dirty="0"/>
-              <a:t>Mangaiyarkarasi </a:t>
-            </a:r>
-            <a:r>
-              <a:rPr lang="en-US" sz="2400" noProof="1"/>
-              <a:t>Rathnakumar</a:t>
-            </a:r>
-          </a:p>
-          <a:p>
-            <a:r>
-              <a:rPr lang="en-US" sz="2400" dirty="0"/>
-              <a:t>Nasiba Adilova</a:t>
-            </a:r>
-          </a:p>
-        </p:txBody>
-      </p:sp>
+      </p:pic>
+      <p:pic>
+        <p:nvPicPr>
+          <p:cNvPr id="15" name="Picture 15" descr="A picture containing person, wall, indoor, standing&#10;&#10;Description automatically generated">
+            <a:extLst>
+              <a:ext uri="{FF2B5EF4-FFF2-40B4-BE49-F238E27FC236}">
+                <a16:creationId xmlns:a16="http://schemas.microsoft.com/office/drawing/2014/main" id="{D2A677FB-200D-412A-92AE-F95D6BBFB8FD}"/>
+              </a:ext>
+            </a:extLst>
+          </p:cNvPr>
+          <p:cNvPicPr>
+            <a:picLocks noGrp="1" noChangeAspect="1"/>
+          </p:cNvPicPr>
+          <p:nvPr>
+            <p:ph idx="1"/>
+          </p:nvPr>
+        </p:nvPicPr>
+        <p:blipFill>
+          <a:blip r:embed="rId3"/>
+          <a:stretch>
+            <a:fillRect/>
+          </a:stretch>
+        </p:blipFill>
+        <p:spPr>
+          <a:xfrm>
+            <a:off x="1314211" y="2142215"/>
+            <a:ext cx="2910580" cy="3880773"/>
+          </a:xfrm>
+        </p:spPr>
+      </p:pic>
     </p:spTree>
     <p:extLst>
       <p:ext uri="{BB962C8B-B14F-4D97-AF65-F5344CB8AC3E}">
-        <p14:creationId xmlns:p14="http://schemas.microsoft.com/office/powerpoint/2010/main" val="521040635"/>
+        <p14:creationId xmlns:p14="http://schemas.microsoft.com/office/powerpoint/2010/main" val="766370402"/>
       </p:ext>
     </p:extLst>
   </p:cSld>
@@ -6006,6 +5916,221 @@
       </p:grpSpPr>
       <p:sp>
         <p:nvSpPr>
+          <p:cNvPr id="2" name="Title 1"/>
+          <p:cNvSpPr>
+            <a:spLocks noGrp="1"/>
+          </p:cNvSpPr>
+          <p:nvPr>
+            <p:ph type="ctrTitle"/>
+          </p:nvPr>
+        </p:nvSpPr>
+        <p:spPr>
+          <a:xfrm>
+            <a:off x="701936" y="305440"/>
+            <a:ext cx="9089652" cy="2178264"/>
+          </a:xfrm>
+        </p:spPr>
+        <p:txBody>
+          <a:bodyPr vert="horz" lIns="91440" tIns="45720" rIns="91440" bIns="45720" rtlCol="0" anchor="t">
+            <a:noAutofit/>
+          </a:bodyPr>
+          <a:lstStyle/>
+          <a:p>
+            <a:pPr algn="l"/>
+            <a:r>
+              <a:rPr lang="en-US" sz="4800" b="1" dirty="0">
+                <a:solidFill>
+                  <a:schemeClr val="tx1"/>
+                </a:solidFill>
+              </a:rPr>
+              <a:t>Exploratory Data Analysis</a:t>
+            </a:r>
+            <a:r>
+              <a:rPr lang="en-US" dirty="0">
+                <a:solidFill>
+                  <a:schemeClr val="tx1"/>
+                </a:solidFill>
+              </a:rPr>
+              <a:t> </a:t>
+            </a:r>
+            <a:br>
+              <a:rPr lang="en-US" dirty="0">
+                <a:solidFill>
+                  <a:schemeClr val="tx1"/>
+                </a:solidFill>
+              </a:rPr>
+            </a:br>
+            <a:r>
+              <a:rPr lang="en-US" sz="4400" dirty="0">
+                <a:solidFill>
+                  <a:schemeClr val="tx1"/>
+                </a:solidFill>
+              </a:rPr>
+              <a:t>NASA Asteroids</a:t>
+            </a:r>
+            <a:r>
+              <a:rPr lang="en-US" sz="4000" dirty="0">
+                <a:solidFill>
+                  <a:schemeClr val="tx1"/>
+                </a:solidFill>
+                <a:ea typeface="+mj-lt"/>
+                <a:cs typeface="+mj-lt"/>
+              </a:rPr>
+              <a:t> - </a:t>
+            </a:r>
+            <a:r>
+              <a:rPr lang="en-US" sz="4000" noProof="1">
+                <a:solidFill>
+                  <a:schemeClr val="tx1"/>
+                </a:solidFill>
+                <a:ea typeface="+mj-lt"/>
+                <a:cs typeface="+mj-lt"/>
+              </a:rPr>
+              <a:t>NeoWs</a:t>
+            </a:r>
+            <a:r>
+              <a:rPr lang="en-US" sz="4000" dirty="0">
+                <a:solidFill>
+                  <a:schemeClr val="tx1"/>
+                </a:solidFill>
+                <a:ea typeface="+mj-lt"/>
+                <a:cs typeface="+mj-lt"/>
+              </a:rPr>
+              <a:t>(Near Earth Object Webservice)</a:t>
+            </a:r>
+            <a:endParaRPr lang="en-US" sz="4000">
+              <a:solidFill>
+                <a:schemeClr val="tx1"/>
+              </a:solidFill>
+              <a:ea typeface="+mj-lt"/>
+              <a:cs typeface="+mj-lt"/>
+            </a:endParaRPr>
+          </a:p>
+          <a:p>
+            <a:endParaRPr lang="en-US" dirty="0"/>
+          </a:p>
+        </p:txBody>
+      </p:sp>
+      <p:sp>
+        <p:nvSpPr>
+          <p:cNvPr id="3" name="Subtitle 2"/>
+          <p:cNvSpPr>
+            <a:spLocks noGrp="1"/>
+          </p:cNvSpPr>
+          <p:nvPr>
+            <p:ph type="subTitle" idx="1"/>
+          </p:nvPr>
+        </p:nvSpPr>
+        <p:spPr>
+          <a:xfrm>
+            <a:off x="701934" y="2886266"/>
+            <a:ext cx="9161540" cy="1283806"/>
+          </a:xfrm>
+        </p:spPr>
+        <p:txBody>
+          <a:bodyPr>
+            <a:normAutofit/>
+          </a:bodyPr>
+          <a:lstStyle/>
+          <a:p>
+            <a:pPr algn="l"/>
+            <a:r>
+              <a:rPr lang="en-US" sz="2800" dirty="0">
+                <a:ea typeface="+mn-lt"/>
+                <a:cs typeface="+mn-lt"/>
+              </a:rPr>
+              <a:t>Exploratory data analysis is a process for exploring datasets, answering questions, and visualizing results. </a:t>
+            </a:r>
+            <a:endParaRPr lang="en-US" sz="2800" dirty="0"/>
+          </a:p>
+        </p:txBody>
+      </p:sp>
+      <p:sp>
+        <p:nvSpPr>
+          <p:cNvPr id="4" name="TextBox 3">
+            <a:extLst>
+              <a:ext uri="{FF2B5EF4-FFF2-40B4-BE49-F238E27FC236}">
+                <a16:creationId xmlns:a16="http://schemas.microsoft.com/office/drawing/2014/main" id="{AB058019-9A19-4B57-910D-E17B96EA4F25}"/>
+              </a:ext>
+            </a:extLst>
+          </p:cNvPr>
+          <p:cNvSpPr txBox="1"/>
+          <p:nvPr/>
+        </p:nvSpPr>
+        <p:spPr>
+          <a:xfrm>
+            <a:off x="698739" y="4925683"/>
+            <a:ext cx="4669765" cy="1200329"/>
+          </a:xfrm>
+          <a:prstGeom prst="rect">
+            <a:avLst/>
+          </a:prstGeom>
+          <a:noFill/>
+        </p:spPr>
+        <p:txBody>
+          <a:bodyPr rot="0" spcFirstLastPara="0" vertOverflow="overflow" horzOverflow="overflow" vert="horz" wrap="square" lIns="91440" tIns="45720" rIns="91440" bIns="45720" numCol="1" spcCol="0" rtlCol="0" fromWordArt="0" anchor="t" anchorCtr="0" forceAA="0" compatLnSpc="1">
+            <a:prstTxWarp prst="textNoShape">
+              <a:avLst/>
+            </a:prstTxWarp>
+            <a:spAutoFit/>
+          </a:bodyPr>
+          <a:lstStyle/>
+          <a:p>
+            <a:r>
+              <a:rPr lang="en-US" sz="2400" dirty="0"/>
+              <a:t>Done by:</a:t>
+            </a:r>
+          </a:p>
+          <a:p>
+            <a:r>
+              <a:rPr lang="en-US" sz="2400" dirty="0"/>
+              <a:t>Mangaiyarkarasi </a:t>
+            </a:r>
+            <a:r>
+              <a:rPr lang="en-US" sz="2400" noProof="1"/>
+              <a:t>Rathnakumar</a:t>
+            </a:r>
+          </a:p>
+          <a:p>
+            <a:r>
+              <a:rPr lang="en-US" sz="2400" dirty="0"/>
+              <a:t>Nasiba Adilova</a:t>
+            </a:r>
+          </a:p>
+        </p:txBody>
+      </p:sp>
+    </p:spTree>
+    <p:extLst>
+      <p:ext uri="{BB962C8B-B14F-4D97-AF65-F5344CB8AC3E}">
+        <p14:creationId xmlns:p14="http://schemas.microsoft.com/office/powerpoint/2010/main" val="521040635"/>
+      </p:ext>
+    </p:extLst>
+  </p:cSld>
+  <p:clrMapOvr>
+    <a:masterClrMapping/>
+  </p:clrMapOvr>
+</p:sld>
+</file>
+
+<file path=ppt/slides/slide3.xml><?xml version="1.0" encoding="utf-8"?>
+<p:sld xmlns:a="http://schemas.openxmlformats.org/drawingml/2006/main" xmlns:r="http://schemas.openxmlformats.org/officeDocument/2006/relationships" xmlns:p="http://schemas.openxmlformats.org/presentationml/2006/main">
+  <p:cSld>
+    <p:spTree>
+      <p:nvGrpSpPr>
+        <p:cNvPr id="1" name=""/>
+        <p:cNvGrpSpPr/>
+        <p:nvPr/>
+      </p:nvGrpSpPr>
+      <p:grpSpPr>
+        <a:xfrm>
+          <a:off x="0" y="0"/>
+          <a:ext cx="0" cy="0"/>
+          <a:chOff x="0" y="0"/>
+          <a:chExt cx="0" cy="0"/>
+        </a:xfrm>
+      </p:grpSpPr>
+      <p:sp>
+        <p:nvSpPr>
           <p:cNvPr id="2" name="Title 1">
             <a:extLst>
               <a:ext uri="{FF2B5EF4-FFF2-40B4-BE49-F238E27FC236}">
@@ -6167,7 +6292,7 @@
 </p:sld>
 </file>
 
-<file path=ppt/slides/slide3.xml><?xml version="1.0" encoding="utf-8"?>
+<file path=ppt/slides/slide4.xml><?xml version="1.0" encoding="utf-8"?>
 <p:sld xmlns:a="http://schemas.openxmlformats.org/drawingml/2006/main" xmlns:r="http://schemas.openxmlformats.org/officeDocument/2006/relationships" xmlns:p="http://schemas.openxmlformats.org/presentationml/2006/main">
   <p:cSld>
     <p:spTree>
@@ -6280,7 +6405,7 @@
 </p:sld>
 </file>
 
-<file path=ppt/slides/slide4.xml><?xml version="1.0" encoding="utf-8"?>
+<file path=ppt/slides/slide5.xml><?xml version="1.0" encoding="utf-8"?>
 <p:sld xmlns:a="http://schemas.openxmlformats.org/drawingml/2006/main" xmlns:r="http://schemas.openxmlformats.org/officeDocument/2006/relationships" xmlns:p="http://schemas.openxmlformats.org/presentationml/2006/main">
   <p:cSld>
     <p:spTree>
@@ -6441,7 +6566,7 @@
 </p:sld>
 </file>
 
-<file path=ppt/slides/slide5.xml><?xml version="1.0" encoding="utf-8"?>
+<file path=ppt/slides/slide6.xml><?xml version="1.0" encoding="utf-8"?>
 <p:sld xmlns:a="http://schemas.openxmlformats.org/drawingml/2006/main" xmlns:r="http://schemas.openxmlformats.org/officeDocument/2006/relationships" xmlns:p="http://schemas.openxmlformats.org/presentationml/2006/main">
   <p:cSld>
     <p:spTree>
@@ -6554,7 +6679,7 @@
 </p:sld>
 </file>
 
-<file path=ppt/slides/slide6.xml><?xml version="1.0" encoding="utf-8"?>
+<file path=ppt/slides/slide7.xml><?xml version="1.0" encoding="utf-8"?>
 <p:sld xmlns:a="http://schemas.openxmlformats.org/drawingml/2006/main" xmlns:r="http://schemas.openxmlformats.org/officeDocument/2006/relationships" xmlns:p="http://schemas.openxmlformats.org/presentationml/2006/main">
   <p:cSld>
     <p:spTree>
@@ -6689,7 +6814,7 @@
 </p:sld>
 </file>
 
-<file path=ppt/slides/slide7.xml><?xml version="1.0" encoding="utf-8"?>
+<file path=ppt/slides/slide8.xml><?xml version="1.0" encoding="utf-8"?>
 <p:sld xmlns:a="http://schemas.openxmlformats.org/drawingml/2006/main" xmlns:r="http://schemas.openxmlformats.org/officeDocument/2006/relationships" xmlns:p="http://schemas.openxmlformats.org/presentationml/2006/main">
   <p:cSld>
     <p:spTree>
@@ -6843,6 +6968,169 @@
     <p:extLst>
       <p:ext uri="{BB962C8B-B14F-4D97-AF65-F5344CB8AC3E}">
         <p14:creationId xmlns:p14="http://schemas.microsoft.com/office/powerpoint/2010/main" val="1177608664"/>
+      </p:ext>
+    </p:extLst>
+  </p:cSld>
+  <p:clrMapOvr>
+    <a:masterClrMapping/>
+  </p:clrMapOvr>
+</p:sld>
+</file>
+
+<file path=ppt/slides/slide9.xml><?xml version="1.0" encoding="utf-8"?>
+<p:sld xmlns:a="http://schemas.openxmlformats.org/drawingml/2006/main" xmlns:r="http://schemas.openxmlformats.org/officeDocument/2006/relationships" xmlns:p="http://schemas.openxmlformats.org/presentationml/2006/main">
+  <p:cSld>
+    <p:spTree>
+      <p:nvGrpSpPr>
+        <p:cNvPr id="1" name=""/>
+        <p:cNvGrpSpPr/>
+        <p:nvPr/>
+      </p:nvGrpSpPr>
+      <p:grpSpPr>
+        <a:xfrm>
+          <a:off x="0" y="0"/>
+          <a:ext cx="0" cy="0"/>
+          <a:chOff x="0" y="0"/>
+          <a:chExt cx="0" cy="0"/>
+        </a:xfrm>
+      </p:grpSpPr>
+      <p:sp>
+        <p:nvSpPr>
+          <p:cNvPr id="2" name="Title 1">
+            <a:extLst>
+              <a:ext uri="{FF2B5EF4-FFF2-40B4-BE49-F238E27FC236}">
+                <a16:creationId xmlns:a16="http://schemas.microsoft.com/office/drawing/2014/main" id="{D46B1FF7-E7AB-456C-B737-27F59E8F3295}"/>
+              </a:ext>
+            </a:extLst>
+          </p:cNvPr>
+          <p:cNvSpPr>
+            <a:spLocks noGrp="1"/>
+          </p:cNvSpPr>
+          <p:nvPr>
+            <p:ph type="title"/>
+          </p:nvPr>
+        </p:nvSpPr>
+        <p:spPr>
+          <a:xfrm>
+            <a:off x="677334" y="609600"/>
+            <a:ext cx="8596668" cy="749300"/>
+          </a:xfrm>
+        </p:spPr>
+        <p:txBody>
+          <a:bodyPr/>
+          <a:lstStyle/>
+          <a:p>
+            <a:r>
+              <a:rPr lang="en-US" dirty="0">
+                <a:solidFill>
+                  <a:schemeClr val="tx1"/>
+                </a:solidFill>
+              </a:rPr>
+              <a:t>Conclusion</a:t>
+            </a:r>
+          </a:p>
+        </p:txBody>
+      </p:sp>
+      <p:sp>
+        <p:nvSpPr>
+          <p:cNvPr id="3" name="Content Placeholder 2">
+            <a:extLst>
+              <a:ext uri="{FF2B5EF4-FFF2-40B4-BE49-F238E27FC236}">
+                <a16:creationId xmlns:a16="http://schemas.microsoft.com/office/drawing/2014/main" id="{01834862-40B7-46F9-90AB-071E0978155D}"/>
+              </a:ext>
+            </a:extLst>
+          </p:cNvPr>
+          <p:cNvSpPr>
+            <a:spLocks noGrp="1"/>
+          </p:cNvSpPr>
+          <p:nvPr>
+            <p:ph idx="1"/>
+          </p:nvPr>
+        </p:nvSpPr>
+        <p:spPr>
+          <a:xfrm>
+            <a:off x="512811" y="1623725"/>
+            <a:ext cx="8596668" cy="3880773"/>
+          </a:xfrm>
+        </p:spPr>
+        <p:txBody>
+          <a:bodyPr vert="horz" lIns="91440" tIns="45720" rIns="91440" bIns="45720" rtlCol="0" anchor="t">
+            <a:normAutofit/>
+          </a:bodyPr>
+          <a:lstStyle/>
+          <a:p>
+            <a:endParaRPr lang="en-US" dirty="0"/>
+          </a:p>
+          <a:p>
+            <a:pPr>
+              <a:buFont typeface="Wingdings" charset="2"/>
+              <a:buChar char="v"/>
+            </a:pPr>
+            <a:r>
+              <a:rPr lang="en-US" dirty="0"/>
+              <a:t>Asteroids with sizes </a:t>
+            </a:r>
+            <a:r>
+              <a:rPr lang="en-US" dirty="0">
+                <a:ea typeface="+mn-lt"/>
+                <a:cs typeface="+mn-lt"/>
+              </a:rPr>
+              <a:t>anything </a:t>
+            </a:r>
+            <a:r>
+              <a:rPr lang="en-US" b="1" dirty="0">
+                <a:ea typeface="+mn-lt"/>
+                <a:cs typeface="+mn-lt"/>
+              </a:rPr>
+              <a:t>larger than one to two kilometers</a:t>
+            </a:r>
+            <a:r>
+              <a:rPr lang="en-US" dirty="0">
+                <a:ea typeface="+mn-lt"/>
+                <a:cs typeface="+mn-lt"/>
+              </a:rPr>
+              <a:t> could have worldwide effects. At 5.4 kilometers in diameter, the largest known potentially hazardous asteroid is Toutatis.</a:t>
+            </a:r>
+          </a:p>
+          <a:p>
+            <a:pPr>
+              <a:buFont typeface="Wingdings,Sans-Serif" charset="2"/>
+              <a:buChar char="v"/>
+            </a:pPr>
+            <a:r>
+              <a:rPr lang="en-US" dirty="0">
+                <a:ea typeface="+mn-lt"/>
+                <a:cs typeface="+mn-lt"/>
+              </a:rPr>
+              <a:t>94% Asteroids are non-hazardous, only 6% of asteroids came near to earth during October 2021 are  potentially hazardous. They might have released shock waves, heat radiation in smaller amount. </a:t>
+            </a:r>
+          </a:p>
+          <a:p>
+            <a:pPr>
+              <a:buFont typeface="Wingdings,Sans-Serif" charset="2"/>
+              <a:buChar char="v"/>
+            </a:pPr>
+            <a:r>
+              <a:rPr lang="en-US" dirty="0">
+                <a:ea typeface="+mn-lt"/>
+                <a:cs typeface="+mn-lt"/>
+              </a:rPr>
+              <a:t>We are Safe :)</a:t>
+            </a:r>
+          </a:p>
+          <a:p>
+            <a:pPr>
+              <a:buFont typeface="Wingdings" charset="2"/>
+              <a:buChar char="v"/>
+            </a:pPr>
+            <a:endParaRPr lang="en-US" dirty="0"/>
+          </a:p>
+        </p:txBody>
+      </p:sp>
+    </p:spTree>
+    <p:extLst>
+      <p:ext uri="{BB962C8B-B14F-4D97-AF65-F5344CB8AC3E}">
+        <p14:creationId xmlns:p14="http://schemas.microsoft.com/office/powerpoint/2010/main" val="1911916132"/>
       </p:ext>
     </p:extLst>
   </p:cSld>
